--- a/ppt/Hackathon project.pptx
+++ b/ppt/Hackathon project.pptx
@@ -8,7 +8,11 @@
     <p:sldId id="256" r:id="rId2"/>
     <p:sldId id="257" r:id="rId3"/>
     <p:sldId id="258" r:id="rId4"/>
-    <p:sldId id="259" r:id="rId5"/>
+    <p:sldId id="261" r:id="rId5"/>
+    <p:sldId id="262" r:id="rId6"/>
+    <p:sldId id="260" r:id="rId7"/>
+    <p:sldId id="259" r:id="rId8"/>
+    <p:sldId id="263" r:id="rId9"/>
   </p:sldIdLst>
   <p:sldSz cx="12192000" cy="6858000"/>
   <p:notesSz cx="6858000" cy="9144000"/>
@@ -107,6 +111,11 @@
       </a:defRPr>
     </a:lvl9pPr>
   </p:defaultTextStyle>
+  <p:extLst>
+    <p:ext uri="{EFAFB233-063F-42B5-8137-9DF3F51BA10A}">
+      <p15:sldGuideLst xmlns:p15="http://schemas.microsoft.com/office/powerpoint/2012/main"/>
+    </p:ext>
+  </p:extLst>
 </p:presentation>
 </file>
 
@@ -4183,6 +4192,20 @@
           <a:p>
             <a:r>
               <a:rPr lang="en-US" dirty="0"/>
+              <a:t>During this Corona situation pdf scanners are especially being used by students of all age to submit their </a:t>
+            </a:r>
+            <a:r>
+              <a:rPr lang="en-US" dirty="0" err="1"/>
+              <a:t>homeworks</a:t>
+            </a:r>
+            <a:r>
+              <a:rPr lang="en-US" dirty="0"/>
+              <a:t>, projects and sometimes even tests.</a:t>
+            </a:r>
+          </a:p>
+          <a:p>
+            <a:r>
+              <a:rPr lang="en-US" dirty="0"/>
               <a:t>We have tried multiple android apps for this purpose yet found none satisfactory.</a:t>
             </a:r>
           </a:p>
@@ -4248,7 +4271,7 @@
           <a:p>
             <a:r>
               <a:rPr lang="en-US" dirty="0"/>
-              <a:t>Features</a:t>
+              <a:t>Features...more coming soon</a:t>
             </a:r>
             <a:endParaRPr lang="en-IN" dirty="0"/>
           </a:p>
@@ -4285,31 +4308,6 @@
               <a:rPr lang="en-US" dirty="0"/>
               <a:t>Manual and Auto-Crop</a:t>
             </a:r>
-          </a:p>
-          <a:p>
-            <a:r>
-              <a:rPr lang="en-US" dirty="0"/>
-              <a:t>Annotations</a:t>
-            </a:r>
-          </a:p>
-          <a:p>
-            <a:r>
-              <a:rPr lang="en-US" dirty="0"/>
-              <a:t>Text Add</a:t>
-            </a:r>
-          </a:p>
-          <a:p>
-            <a:r>
-              <a:rPr lang="en-US" dirty="0"/>
-              <a:t>Auto Rotation</a:t>
-            </a:r>
-          </a:p>
-          <a:p>
-            <a:r>
-              <a:rPr lang="en-US" dirty="0"/>
-              <a:t>Space efficient</a:t>
-            </a:r>
-            <a:endParaRPr lang="en-IN" dirty="0"/>
           </a:p>
         </p:txBody>
       </p:sp>
@@ -4348,6 +4346,314 @@
           <p:cNvPr id="2" name="Title 1">
             <a:extLst>
               <a:ext uri="{FF2B5EF4-FFF2-40B4-BE49-F238E27FC236}">
+                <a16:creationId xmlns:a16="http://schemas.microsoft.com/office/drawing/2014/main" id="{9121161E-7213-46BD-BB1D-99E88F642AE4}"/>
+              </a:ext>
+            </a:extLst>
+          </p:cNvPr>
+          <p:cNvSpPr>
+            <a:spLocks noGrp="1"/>
+          </p:cNvSpPr>
+          <p:nvPr>
+            <p:ph type="title"/>
+          </p:nvPr>
+        </p:nvSpPr>
+        <p:spPr/>
+        <p:txBody>
+          <a:bodyPr/>
+          <a:lstStyle/>
+          <a:p>
+            <a:r>
+              <a:rPr lang="en-US" dirty="0"/>
+              <a:t>Upcoming features</a:t>
+            </a:r>
+            <a:endParaRPr lang="en-IN" dirty="0"/>
+          </a:p>
+        </p:txBody>
+      </p:sp>
+      <p:sp>
+        <p:nvSpPr>
+          <p:cNvPr id="3" name="Content Placeholder 2">
+            <a:extLst>
+              <a:ext uri="{FF2B5EF4-FFF2-40B4-BE49-F238E27FC236}">
+                <a16:creationId xmlns:a16="http://schemas.microsoft.com/office/drawing/2014/main" id="{2FCB0DCA-03C8-4D5B-81B8-B4B4A94B770E}"/>
+              </a:ext>
+            </a:extLst>
+          </p:cNvPr>
+          <p:cNvSpPr>
+            <a:spLocks noGrp="1"/>
+          </p:cNvSpPr>
+          <p:nvPr>
+            <p:ph idx="1"/>
+          </p:nvPr>
+        </p:nvSpPr>
+        <p:spPr/>
+        <p:txBody>
+          <a:bodyPr/>
+          <a:lstStyle/>
+          <a:p>
+            <a:r>
+              <a:rPr lang="en-US" dirty="0"/>
+              <a:t>Annotations</a:t>
+            </a:r>
+          </a:p>
+          <a:p>
+            <a:r>
+              <a:rPr lang="en-US" dirty="0"/>
+              <a:t>Text Add</a:t>
+            </a:r>
+          </a:p>
+          <a:p>
+            <a:r>
+              <a:rPr lang="en-US" dirty="0"/>
+              <a:t>Auto Rotation</a:t>
+            </a:r>
+          </a:p>
+          <a:p>
+            <a:r>
+              <a:rPr lang="en-US" dirty="0"/>
+              <a:t>Space efficient</a:t>
+            </a:r>
+            <a:endParaRPr lang="en-IN" dirty="0"/>
+          </a:p>
+          <a:p>
+            <a:endParaRPr lang="en-IN" dirty="0"/>
+          </a:p>
+        </p:txBody>
+      </p:sp>
+    </p:spTree>
+    <p:extLst>
+      <p:ext uri="{BB962C8B-B14F-4D97-AF65-F5344CB8AC3E}">
+        <p14:creationId xmlns:p14="http://schemas.microsoft.com/office/powerpoint/2010/main" val="1249734991"/>
+      </p:ext>
+    </p:extLst>
+  </p:cSld>
+  <p:clrMapOvr>
+    <a:masterClrMapping/>
+  </p:clrMapOvr>
+</p:sld>
+</file>
+
+<file path=ppt/slides/slide5.xml><?xml version="1.0" encoding="utf-8"?>
+<p:sld xmlns:a="http://schemas.openxmlformats.org/drawingml/2006/main" xmlns:r="http://schemas.openxmlformats.org/officeDocument/2006/relationships" xmlns:p="http://schemas.openxmlformats.org/presentationml/2006/main">
+  <p:cSld>
+    <p:spTree>
+      <p:nvGrpSpPr>
+        <p:cNvPr id="1" name=""/>
+        <p:cNvGrpSpPr/>
+        <p:nvPr/>
+      </p:nvGrpSpPr>
+      <p:grpSpPr>
+        <a:xfrm>
+          <a:off x="0" y="0"/>
+          <a:ext cx="0" cy="0"/>
+          <a:chOff x="0" y="0"/>
+          <a:chExt cx="0" cy="0"/>
+        </a:xfrm>
+      </p:grpSpPr>
+      <p:sp>
+        <p:nvSpPr>
+          <p:cNvPr id="2" name="Title 1">
+            <a:extLst>
+              <a:ext uri="{FF2B5EF4-FFF2-40B4-BE49-F238E27FC236}">
+                <a16:creationId xmlns:a16="http://schemas.microsoft.com/office/drawing/2014/main" id="{D29DC49A-0255-4F0F-BA6F-24D4A3DF6746}"/>
+              </a:ext>
+            </a:extLst>
+          </p:cNvPr>
+          <p:cNvSpPr>
+            <a:spLocks noGrp="1"/>
+          </p:cNvSpPr>
+          <p:nvPr>
+            <p:ph type="title"/>
+          </p:nvPr>
+        </p:nvSpPr>
+        <p:spPr/>
+        <p:txBody>
+          <a:bodyPr/>
+          <a:lstStyle/>
+          <a:p>
+            <a:r>
+              <a:rPr lang="en-US" dirty="0"/>
+              <a:t>Auto-crop</a:t>
+            </a:r>
+            <a:endParaRPr lang="en-IN" dirty="0"/>
+          </a:p>
+        </p:txBody>
+      </p:sp>
+      <p:sp>
+        <p:nvSpPr>
+          <p:cNvPr id="3" name="Content Placeholder 2">
+            <a:extLst>
+              <a:ext uri="{FF2B5EF4-FFF2-40B4-BE49-F238E27FC236}">
+                <a16:creationId xmlns:a16="http://schemas.microsoft.com/office/drawing/2014/main" id="{47401A52-BCCD-4C88-98E5-B59D3E2BFE16}"/>
+              </a:ext>
+            </a:extLst>
+          </p:cNvPr>
+          <p:cNvSpPr>
+            <a:spLocks noGrp="1"/>
+          </p:cNvSpPr>
+          <p:nvPr>
+            <p:ph idx="1"/>
+          </p:nvPr>
+        </p:nvSpPr>
+        <p:spPr/>
+        <p:txBody>
+          <a:bodyPr/>
+          <a:lstStyle/>
+          <a:p>
+            <a:r>
+              <a:rPr lang="en-US" dirty="0"/>
+              <a:t>Auto-crop is the price jewel of our project.</a:t>
+            </a:r>
+          </a:p>
+          <a:p>
+            <a:r>
+              <a:rPr lang="en-US" dirty="0"/>
+              <a:t>There is a special code just for this feature</a:t>
+            </a:r>
+          </a:p>
+          <a:p>
+            <a:r>
+              <a:rPr lang="en-US" dirty="0"/>
+              <a:t>Made using image processing</a:t>
+            </a:r>
+          </a:p>
+          <a:p>
+            <a:r>
+              <a:rPr lang="en-US" dirty="0"/>
+              <a:t>Totally custom built</a:t>
+            </a:r>
+            <a:endParaRPr lang="en-IN" dirty="0"/>
+          </a:p>
+        </p:txBody>
+      </p:sp>
+    </p:spTree>
+    <p:extLst>
+      <p:ext uri="{BB962C8B-B14F-4D97-AF65-F5344CB8AC3E}">
+        <p14:creationId xmlns:p14="http://schemas.microsoft.com/office/powerpoint/2010/main" val="2551082048"/>
+      </p:ext>
+    </p:extLst>
+  </p:cSld>
+  <p:clrMapOvr>
+    <a:masterClrMapping/>
+  </p:clrMapOvr>
+</p:sld>
+</file>
+
+<file path=ppt/slides/slide6.xml><?xml version="1.0" encoding="utf-8"?>
+<p:sld xmlns:a="http://schemas.openxmlformats.org/drawingml/2006/main" xmlns:r="http://schemas.openxmlformats.org/officeDocument/2006/relationships" xmlns:p="http://schemas.openxmlformats.org/presentationml/2006/main">
+  <p:cSld>
+    <p:spTree>
+      <p:nvGrpSpPr>
+        <p:cNvPr id="1" name=""/>
+        <p:cNvGrpSpPr/>
+        <p:nvPr/>
+      </p:nvGrpSpPr>
+      <p:grpSpPr>
+        <a:xfrm>
+          <a:off x="0" y="0"/>
+          <a:ext cx="0" cy="0"/>
+          <a:chOff x="0" y="0"/>
+          <a:chExt cx="0" cy="0"/>
+        </a:xfrm>
+      </p:grpSpPr>
+      <p:sp>
+        <p:nvSpPr>
+          <p:cNvPr id="2" name="Title 1">
+            <a:extLst>
+              <a:ext uri="{FF2B5EF4-FFF2-40B4-BE49-F238E27FC236}">
+                <a16:creationId xmlns:a16="http://schemas.microsoft.com/office/drawing/2014/main" id="{D426C09E-58CB-411F-9340-460C3472EC05}"/>
+              </a:ext>
+            </a:extLst>
+          </p:cNvPr>
+          <p:cNvSpPr>
+            <a:spLocks noGrp="1"/>
+          </p:cNvSpPr>
+          <p:nvPr>
+            <p:ph type="title"/>
+          </p:nvPr>
+        </p:nvSpPr>
+        <p:spPr/>
+        <p:txBody>
+          <a:bodyPr/>
+          <a:lstStyle/>
+          <a:p>
+            <a:r>
+              <a:rPr lang="en-US" dirty="0"/>
+              <a:t>coding</a:t>
+            </a:r>
+            <a:endParaRPr lang="en-IN" dirty="0"/>
+          </a:p>
+        </p:txBody>
+      </p:sp>
+      <p:sp>
+        <p:nvSpPr>
+          <p:cNvPr id="3" name="Content Placeholder 2">
+            <a:extLst>
+              <a:ext uri="{FF2B5EF4-FFF2-40B4-BE49-F238E27FC236}">
+                <a16:creationId xmlns:a16="http://schemas.microsoft.com/office/drawing/2014/main" id="{D6471C4D-C81D-4C76-9702-04679C1F4BCF}"/>
+              </a:ext>
+            </a:extLst>
+          </p:cNvPr>
+          <p:cNvSpPr>
+            <a:spLocks noGrp="1"/>
+          </p:cNvSpPr>
+          <p:nvPr>
+            <p:ph idx="1"/>
+          </p:nvPr>
+        </p:nvSpPr>
+        <p:spPr/>
+        <p:txBody>
+          <a:bodyPr/>
+          <a:lstStyle/>
+          <a:p>
+            <a:r>
+              <a:rPr lang="en-US" dirty="0"/>
+              <a:t>Coding has mostly been done in Python</a:t>
+            </a:r>
+          </a:p>
+          <a:p>
+            <a:r>
+              <a:rPr lang="en-US" dirty="0"/>
+              <a:t>The android app will be made in Flutter</a:t>
+            </a:r>
+          </a:p>
+        </p:txBody>
+      </p:sp>
+    </p:spTree>
+    <p:extLst>
+      <p:ext uri="{BB962C8B-B14F-4D97-AF65-F5344CB8AC3E}">
+        <p14:creationId xmlns:p14="http://schemas.microsoft.com/office/powerpoint/2010/main" val="2591400212"/>
+      </p:ext>
+    </p:extLst>
+  </p:cSld>
+  <p:clrMapOvr>
+    <a:masterClrMapping/>
+  </p:clrMapOvr>
+</p:sld>
+</file>
+
+<file path=ppt/slides/slide7.xml><?xml version="1.0" encoding="utf-8"?>
+<p:sld xmlns:a="http://schemas.openxmlformats.org/drawingml/2006/main" xmlns:r="http://schemas.openxmlformats.org/officeDocument/2006/relationships" xmlns:p="http://schemas.openxmlformats.org/presentationml/2006/main">
+  <p:cSld>
+    <p:spTree>
+      <p:nvGrpSpPr>
+        <p:cNvPr id="1" name=""/>
+        <p:cNvGrpSpPr/>
+        <p:nvPr/>
+      </p:nvGrpSpPr>
+      <p:grpSpPr>
+        <a:xfrm>
+          <a:off x="0" y="0"/>
+          <a:ext cx="0" cy="0"/>
+          <a:chOff x="0" y="0"/>
+          <a:chExt cx="0" cy="0"/>
+        </a:xfrm>
+      </p:grpSpPr>
+      <p:sp>
+        <p:nvSpPr>
+          <p:cNvPr id="2" name="Title 1">
+            <a:extLst>
+              <a:ext uri="{FF2B5EF4-FFF2-40B4-BE49-F238E27FC236}">
                 <a16:creationId xmlns:a16="http://schemas.microsoft.com/office/drawing/2014/main" id="{5CD2FDD0-CA26-4BE9-8AA6-6A2743A7DDFB}"/>
               </a:ext>
             </a:extLst>
@@ -4364,39 +4670,137 @@
           <a:bodyPr/>
           <a:lstStyle/>
           <a:p>
-            <a:endParaRPr lang="en-IN"/>
-          </a:p>
-        </p:txBody>
-      </p:sp>
-      <p:sp>
-        <p:nvSpPr>
-          <p:cNvPr id="3" name="Content Placeholder 2">
-            <a:extLst>
-              <a:ext uri="{FF2B5EF4-FFF2-40B4-BE49-F238E27FC236}">
-                <a16:creationId xmlns:a16="http://schemas.microsoft.com/office/drawing/2014/main" id="{10ED1485-FC33-45E2-8DC2-0DA63F0B11CA}"/>
-              </a:ext>
-            </a:extLst>
-          </p:cNvPr>
-          <p:cNvSpPr>
-            <a:spLocks noGrp="1"/>
-          </p:cNvSpPr>
+            <a:r>
+              <a:rPr lang="en-US" dirty="0"/>
+              <a:t>screenshots</a:t>
+            </a:r>
+            <a:endParaRPr lang="en-IN" dirty="0"/>
+          </a:p>
+        </p:txBody>
+      </p:sp>
+      <p:pic>
+        <p:nvPicPr>
+          <p:cNvPr id="5" name="Content Placeholder 4">
+            <a:extLst>
+              <a:ext uri="{FF2B5EF4-FFF2-40B4-BE49-F238E27FC236}">
+                <a16:creationId xmlns:a16="http://schemas.microsoft.com/office/drawing/2014/main" id="{51DB1709-477B-4C55-8901-259274E2D6AE}"/>
+              </a:ext>
+            </a:extLst>
+          </p:cNvPr>
+          <p:cNvPicPr>
+            <a:picLocks noGrp="1" noChangeAspect="1"/>
+          </p:cNvPicPr>
           <p:nvPr>
             <p:ph idx="1"/>
           </p:nvPr>
-        </p:nvSpPr>
-        <p:spPr/>
-        <p:txBody>
-          <a:bodyPr/>
-          <a:lstStyle/>
-          <a:p>
-            <a:endParaRPr lang="en-IN"/>
-          </a:p>
-        </p:txBody>
-      </p:sp>
+        </p:nvPicPr>
+        <p:blipFill>
+          <a:blip r:embed="rId2">
+            <a:extLst>
+              <a:ext uri="{28A0092B-C50C-407E-A947-70E740481C1C}">
+                <a14:useLocalDpi xmlns:a14="http://schemas.microsoft.com/office/drawing/2010/main" val="0"/>
+              </a:ext>
+            </a:extLst>
+          </a:blip>
+          <a:stretch>
+            <a:fillRect/>
+          </a:stretch>
+        </p:blipFill>
+        <p:spPr>
+          <a:xfrm>
+            <a:off x="3447351" y="2112963"/>
+            <a:ext cx="6089460" cy="3959225"/>
+          </a:xfrm>
+        </p:spPr>
+      </p:pic>
     </p:spTree>
     <p:extLst>
       <p:ext uri="{BB962C8B-B14F-4D97-AF65-F5344CB8AC3E}">
         <p14:creationId xmlns:p14="http://schemas.microsoft.com/office/powerpoint/2010/main" val="2861590246"/>
+      </p:ext>
+    </p:extLst>
+  </p:cSld>
+  <p:clrMapOvr>
+    <a:masterClrMapping/>
+  </p:clrMapOvr>
+</p:sld>
+</file>
+
+<file path=ppt/slides/slide8.xml><?xml version="1.0" encoding="utf-8"?>
+<p:sld xmlns:a="http://schemas.openxmlformats.org/drawingml/2006/main" xmlns:r="http://schemas.openxmlformats.org/officeDocument/2006/relationships" xmlns:p="http://schemas.openxmlformats.org/presentationml/2006/main">
+  <p:cSld>
+    <p:bg>
+      <p:bgPr>
+        <a:solidFill>
+          <a:srgbClr val="646044"/>
+        </a:solidFill>
+        <a:effectLst/>
+      </p:bgPr>
+    </p:bg>
+    <p:spTree>
+      <p:nvGrpSpPr>
+        <p:cNvPr id="1" name=""/>
+        <p:cNvGrpSpPr/>
+        <p:nvPr/>
+      </p:nvGrpSpPr>
+      <p:grpSpPr>
+        <a:xfrm>
+          <a:off x="0" y="0"/>
+          <a:ext cx="0" cy="0"/>
+          <a:chOff x="0" y="0"/>
+          <a:chExt cx="0" cy="0"/>
+        </a:xfrm>
+      </p:grpSpPr>
+      <p:sp>
+        <p:nvSpPr>
+          <p:cNvPr id="6" name="TextBox 5">
+            <a:extLst>
+              <a:ext uri="{FF2B5EF4-FFF2-40B4-BE49-F238E27FC236}">
+                <a16:creationId xmlns:a16="http://schemas.microsoft.com/office/drawing/2014/main" id="{FEA7D6C7-BA31-483B-BB39-83455FC18A41}"/>
+              </a:ext>
+            </a:extLst>
+          </p:cNvPr>
+          <p:cNvSpPr txBox="1"/>
+          <p:nvPr/>
+        </p:nvSpPr>
+        <p:spPr>
+          <a:xfrm>
+            <a:off x="3895725" y="2240281"/>
+            <a:ext cx="4848225" cy="2800767"/>
+          </a:xfrm>
+          <a:prstGeom prst="rect">
+            <a:avLst/>
+          </a:prstGeom>
+          <a:noFill/>
+        </p:spPr>
+        <p:txBody>
+          <a:bodyPr wrap="square" rtlCol="0">
+            <a:spAutoFit/>
+          </a:bodyPr>
+          <a:lstStyle/>
+          <a:p>
+            <a:r>
+              <a:rPr lang="en-US" sz="8800" dirty="0">
+                <a:solidFill>
+                  <a:srgbClr val="FFC000"/>
+                </a:solidFill>
+                <a:latin typeface="Ravie" panose="04040805050809020602" pitchFamily="82" charset="0"/>
+              </a:rPr>
+              <a:t>Thank You</a:t>
+            </a:r>
+            <a:endParaRPr lang="en-IN" sz="8800" dirty="0">
+              <a:solidFill>
+                <a:srgbClr val="FFC000"/>
+              </a:solidFill>
+              <a:latin typeface="Ravie" panose="04040805050809020602" pitchFamily="82" charset="0"/>
+            </a:endParaRPr>
+          </a:p>
+        </p:txBody>
+      </p:sp>
+    </p:spTree>
+    <p:extLst>
+      <p:ext uri="{BB962C8B-B14F-4D97-AF65-F5344CB8AC3E}">
+        <p14:creationId xmlns:p14="http://schemas.microsoft.com/office/powerpoint/2010/main" val="2614454379"/>
       </p:ext>
     </p:extLst>
   </p:cSld>
